--- a/Session 16 Outputs and reports/Session16.pptx
+++ b/Session 16 Outputs and reports/Session16.pptx
@@ -5,7 +5,7 @@
     <p:sldMasterId id="2147483660" r:id="rId1"/>
   </p:sldMasterIdLst>
   <p:notesMasterIdLst>
-    <p:notesMasterId r:id="rId13"/>
+    <p:notesMasterId r:id="rId14"/>
   </p:notesMasterIdLst>
   <p:sldIdLst>
     <p:sldId id="256" r:id="rId2"/>
@@ -19,6 +19,7 @@
     <p:sldId id="262" r:id="rId10"/>
     <p:sldId id="263" r:id="rId11"/>
     <p:sldId id="258" r:id="rId12"/>
+    <p:sldId id="268" r:id="rId13"/>
   </p:sldIdLst>
   <p:sldSz cx="9144000" cy="6858000" type="screen4x3"/>
   <p:notesSz cx="6858000" cy="9144000"/>
@@ -119,7 +120,7 @@
   </p:defaultTextStyle>
   <p:extLst>
     <p:ext uri="{EFAFB233-063F-42B5-8137-9DF3F51BA10A}">
-      <p15:sldGuideLst xmlns:p15="http://schemas.microsoft.com/office/powerpoint/2012/main">
+      <p15:sldGuideLst xmlns:p15="http://schemas.microsoft.com/office/powerpoint/2012/main" xmlns="">
         <p15:guide id="1" orient="horz" pos="2160">
           <p15:clr>
             <a:srgbClr val="A4A3A4"/>
@@ -218,7 +219,7 @@
           <a:p>
             <a:fld id="{8EFA47A0-C964-408E-AD22-0EE2B0433C6B}" type="datetimeFigureOut">
               <a:rPr lang="en-US"/>
-              <a:t>9/1/2015</a:t>
+              <a:t>02/09/15</a:t>
             </a:fld>
             <a:endParaRPr lang="en-US"/>
           </a:p>
@@ -550,7 +551,7 @@
           <a:p>
             <a:fld id="{CD1813A5-4E5C-4718-8ADF-8129811D6B6E}" type="slidenum">
               <a:rPr lang="en-US"/>
-              <a:t>‹#›</a:t>
+              <a:t>1</a:t>
             </a:fld>
             <a:endParaRPr lang="en-US"/>
           </a:p>
@@ -634,7 +635,7 @@
           <a:p>
             <a:fld id="{CD1813A5-4E5C-4718-8ADF-8129811D6B6E}" type="slidenum">
               <a:rPr lang="en-US"/>
-              <a:t>‹#›</a:t>
+              <a:t>10</a:t>
             </a:fld>
             <a:endParaRPr lang="en-US"/>
           </a:p>
@@ -718,7 +719,7 @@
           <a:p>
             <a:fld id="{CD1813A5-4E5C-4718-8ADF-8129811D6B6E}" type="slidenum">
               <a:rPr lang="en-US"/>
-              <a:t>‹#›</a:t>
+              <a:t>11</a:t>
             </a:fld>
             <a:endParaRPr lang="en-US"/>
           </a:p>
@@ -802,7 +803,7 @@
           <a:p>
             <a:fld id="{CD1813A5-4E5C-4718-8ADF-8129811D6B6E}" type="slidenum">
               <a:rPr lang="en-US"/>
-              <a:t>‹#›</a:t>
+              <a:t>2</a:t>
             </a:fld>
             <a:endParaRPr lang="en-US"/>
           </a:p>
@@ -886,7 +887,7 @@
           <a:p>
             <a:fld id="{CD1813A5-4E5C-4718-8ADF-8129811D6B6E}" type="slidenum">
               <a:rPr lang="en-US"/>
-              <a:t>‹#›</a:t>
+              <a:t>3</a:t>
             </a:fld>
             <a:endParaRPr lang="en-US"/>
           </a:p>
@@ -970,7 +971,7 @@
           <a:p>
             <a:fld id="{CD1813A5-4E5C-4718-8ADF-8129811D6B6E}" type="slidenum">
               <a:rPr lang="en-US"/>
-              <a:t>‹#›</a:t>
+              <a:t>4</a:t>
             </a:fld>
             <a:endParaRPr lang="en-US"/>
           </a:p>
@@ -1054,7 +1055,7 @@
           <a:p>
             <a:fld id="{CD1813A5-4E5C-4718-8ADF-8129811D6B6E}" type="slidenum">
               <a:rPr lang="en-US"/>
-              <a:t>‹#›</a:t>
+              <a:t>5</a:t>
             </a:fld>
             <a:endParaRPr lang="en-US"/>
           </a:p>
@@ -1138,7 +1139,7 @@
           <a:p>
             <a:fld id="{CD1813A5-4E5C-4718-8ADF-8129811D6B6E}" type="slidenum">
               <a:rPr lang="en-US"/>
-              <a:t>‹#›</a:t>
+              <a:t>6</a:t>
             </a:fld>
             <a:endParaRPr lang="en-US"/>
           </a:p>
@@ -1222,7 +1223,7 @@
           <a:p>
             <a:fld id="{CD1813A5-4E5C-4718-8ADF-8129811D6B6E}" type="slidenum">
               <a:rPr lang="en-US"/>
-              <a:t>‹#›</a:t>
+              <a:t>7</a:t>
             </a:fld>
             <a:endParaRPr lang="en-US"/>
           </a:p>
@@ -1306,7 +1307,7 @@
           <a:p>
             <a:fld id="{CD1813A5-4E5C-4718-8ADF-8129811D6B6E}" type="slidenum">
               <a:rPr lang="en-US"/>
-              <a:t>‹#›</a:t>
+              <a:t>8</a:t>
             </a:fld>
             <a:endParaRPr lang="en-US"/>
           </a:p>
@@ -1390,7 +1391,7 @@
           <a:p>
             <a:fld id="{CD1813A5-4E5C-4718-8ADF-8129811D6B6E}" type="slidenum">
               <a:rPr lang="en-US"/>
-              <a:t>‹#›</a:t>
+              <a:t>9</a:t>
             </a:fld>
             <a:endParaRPr lang="en-US"/>
           </a:p>
@@ -1582,7 +1583,7 @@
           <a:p>
             <a:fld id="{3234BF52-3BBD-7C4B-9FF3-33C5F67C6443}" type="datetimeFigureOut">
               <a:rPr lang="en-US" smtClean="0"/>
-              <a:t>9/1/2015</a:t>
+              <a:t>02/09/15</a:t>
             </a:fld>
             <a:endParaRPr lang="en-GB"/>
           </a:p>
@@ -1747,7 +1748,7 @@
           <a:p>
             <a:fld id="{3234BF52-3BBD-7C4B-9FF3-33C5F67C6443}" type="datetimeFigureOut">
               <a:rPr lang="en-US" smtClean="0"/>
-              <a:t>9/1/2015</a:t>
+              <a:t>02/09/15</a:t>
             </a:fld>
             <a:endParaRPr lang="en-GB"/>
           </a:p>
@@ -1922,7 +1923,7 @@
           <a:p>
             <a:fld id="{3234BF52-3BBD-7C4B-9FF3-33C5F67C6443}" type="datetimeFigureOut">
               <a:rPr lang="en-US" smtClean="0"/>
-              <a:t>9/1/2015</a:t>
+              <a:t>02/09/15</a:t>
             </a:fld>
             <a:endParaRPr lang="en-GB"/>
           </a:p>
@@ -2087,7 +2088,7 @@
           <a:p>
             <a:fld id="{3234BF52-3BBD-7C4B-9FF3-33C5F67C6443}" type="datetimeFigureOut">
               <a:rPr lang="en-US" smtClean="0"/>
-              <a:t>9/1/2015</a:t>
+              <a:t>02/09/15</a:t>
             </a:fld>
             <a:endParaRPr lang="en-GB"/>
           </a:p>
@@ -2329,7 +2330,7 @@
           <a:p>
             <a:fld id="{3234BF52-3BBD-7C4B-9FF3-33C5F67C6443}" type="datetimeFigureOut">
               <a:rPr lang="en-US" smtClean="0"/>
-              <a:t>9/1/2015</a:t>
+              <a:t>02/09/15</a:t>
             </a:fld>
             <a:endParaRPr lang="en-GB"/>
           </a:p>
@@ -2593,7 +2594,7 @@
           <a:p>
             <a:fld id="{3234BF52-3BBD-7C4B-9FF3-33C5F67C6443}" type="datetimeFigureOut">
               <a:rPr lang="en-US" smtClean="0"/>
-              <a:t>9/1/2015</a:t>
+              <a:t>02/09/15</a:t>
             </a:fld>
             <a:endParaRPr lang="en-GB"/>
           </a:p>
@@ -2971,7 +2972,7 @@
           <a:p>
             <a:fld id="{3234BF52-3BBD-7C4B-9FF3-33C5F67C6443}" type="datetimeFigureOut">
               <a:rPr lang="en-US" smtClean="0"/>
-              <a:t>9/1/2015</a:t>
+              <a:t>02/09/15</a:t>
             </a:fld>
             <a:endParaRPr lang="en-GB"/>
           </a:p>
@@ -3121,7 +3122,7 @@
           <a:p>
             <a:fld id="{3234BF52-3BBD-7C4B-9FF3-33C5F67C6443}" type="datetimeFigureOut">
               <a:rPr lang="en-US" smtClean="0"/>
-              <a:t>9/1/2015</a:t>
+              <a:t>02/09/15</a:t>
             </a:fld>
             <a:endParaRPr lang="en-GB"/>
           </a:p>
@@ -3211,7 +3212,7 @@
           <a:p>
             <a:fld id="{3234BF52-3BBD-7C4B-9FF3-33C5F67C6443}" type="datetimeFigureOut">
               <a:rPr lang="en-US" smtClean="0"/>
-              <a:t>9/1/2015</a:t>
+              <a:t>02/09/15</a:t>
             </a:fld>
             <a:endParaRPr lang="en-GB"/>
           </a:p>
@@ -3472,7 +3473,7 @@
           <a:p>
             <a:fld id="{3234BF52-3BBD-7C4B-9FF3-33C5F67C6443}" type="datetimeFigureOut">
               <a:rPr lang="en-US" smtClean="0"/>
-              <a:t>9/1/2015</a:t>
+              <a:t>02/09/15</a:t>
             </a:fld>
             <a:endParaRPr lang="en-GB"/>
           </a:p>
@@ -3760,7 +3761,7 @@
           <a:p>
             <a:fld id="{3234BF52-3BBD-7C4B-9FF3-33C5F67C6443}" type="datetimeFigureOut">
               <a:rPr lang="en-US" smtClean="0"/>
-              <a:t>9/1/2015</a:t>
+              <a:t>02/09/15</a:t>
             </a:fld>
             <a:endParaRPr lang="en-GB"/>
           </a:p>
@@ -4531,7 +4532,7 @@
           <a:p>
             <a:fld id="{3234BF52-3BBD-7C4B-9FF3-33C5F67C6443}" type="datetimeFigureOut">
               <a:rPr lang="en-US" smtClean="0"/>
-              <a:t>9/1/2015</a:t>
+              <a:t>02/09/15</a:t>
             </a:fld>
             <a:endParaRPr lang="en-GB"/>
           </a:p>
@@ -5159,7 +5160,12 @@
             <p:ph type="ctrTitle"/>
           </p:nvPr>
         </p:nvSpPr>
-        <p:spPr/>
+        <p:spPr>
+          <a:xfrm>
+            <a:off x="533400" y="625085"/>
+            <a:ext cx="7851648" cy="1828800"/>
+          </a:xfrm>
+        </p:spPr>
         <p:txBody>
           <a:bodyPr/>
           <a:lstStyle/>
@@ -5182,7 +5188,12 @@
             <p:ph type="subTitle" idx="1"/>
           </p:nvPr>
         </p:nvSpPr>
-        <p:spPr/>
+        <p:spPr>
+          <a:xfrm>
+            <a:off x="533400" y="2540191"/>
+            <a:ext cx="7854696" cy="1752600"/>
+          </a:xfrm>
+        </p:spPr>
         <p:txBody>
           <a:bodyPr/>
           <a:lstStyle/>
@@ -5198,6 +5209,66 @@
               <a:t>Exporting documents and writing reports in R</a:t>
             </a:r>
             <a:endParaRPr lang="en-GB" dirty="0"/>
+          </a:p>
+        </p:txBody>
+      </p:sp>
+      <p:sp>
+        <p:nvSpPr>
+          <p:cNvPr id="4" name="TextBox 3"/>
+          <p:cNvSpPr txBox="1"/>
+          <p:nvPr/>
+        </p:nvSpPr>
+        <p:spPr>
+          <a:xfrm>
+            <a:off x="387766" y="4527565"/>
+            <a:ext cx="8417689" cy="1384995"/>
+          </a:xfrm>
+          <a:prstGeom prst="rect">
+            <a:avLst/>
+          </a:prstGeom>
+          <a:solidFill>
+            <a:schemeClr val="tx1"/>
+          </a:solidFill>
+        </p:spPr>
+        <p:txBody>
+          <a:bodyPr wrap="none" rtlCol="0">
+            <a:spAutoFit/>
+          </a:bodyPr>
+          <a:lstStyle/>
+          <a:p>
+            <a:r>
+              <a:rPr lang="en-GB" sz="2800" dirty="0" smtClean="0">
+                <a:solidFill>
+                  <a:srgbClr val="FF0000"/>
+                </a:solidFill>
+              </a:rPr>
+              <a:t>Please take a seat at computers 12-19, 26-41 or 48-55.</a:t>
+            </a:r>
+          </a:p>
+          <a:p>
+            <a:r>
+              <a:rPr lang="en-GB" sz="2800" dirty="0" smtClean="0">
+                <a:solidFill>
+                  <a:srgbClr val="FF0000"/>
+                </a:solidFill>
+              </a:rPr>
+              <a:t>These have the most up to date version of R installed</a:t>
+            </a:r>
+          </a:p>
+          <a:p>
+            <a:r>
+              <a:rPr lang="en-GB" sz="2800" dirty="0" smtClean="0">
+                <a:solidFill>
+                  <a:srgbClr val="FF0000"/>
+                </a:solidFill>
+              </a:rPr>
+              <a:t>Thank you</a:t>
+            </a:r>
+            <a:endParaRPr lang="en-GB" sz="2800" dirty="0">
+              <a:solidFill>
+                <a:srgbClr val="FF0000"/>
+              </a:solidFill>
+            </a:endParaRPr>
           </a:p>
         </p:txBody>
       </p:sp>
@@ -5211,6 +5282,13 @@
   <p:clrMapOvr>
     <a:masterClrMapping/>
   </p:clrMapOvr>
+  <p:timing>
+    <p:tnLst>
+      <p:par>
+        <p:cTn xmlns:p14="http://schemas.microsoft.com/office/powerpoint/2010/main" id="1" dur="indefinite" restart="never" nodeType="tmRoot"/>
+      </p:par>
+    </p:tnLst>
+  </p:timing>
 </p:sld>
 </file>
 
@@ -5356,7 +5434,7 @@
   <p:timing>
     <p:tnLst>
       <p:par>
-        <p:cTn id="1" dur="indefinite" restart="never" nodeType="tmRoot"/>
+        <p:cTn xmlns:p14="http://schemas.microsoft.com/office/powerpoint/2010/main" id="1" dur="indefinite" restart="never" nodeType="tmRoot"/>
       </p:par>
     </p:tnLst>
   </p:timing>
@@ -5535,7 +5613,134 @@
   <p:timing>
     <p:tnLst>
       <p:par>
-        <p:cTn id="1" dur="indefinite" restart="never" nodeType="tmRoot"/>
+        <p:cTn xmlns:p14="http://schemas.microsoft.com/office/powerpoint/2010/main" id="1" dur="indefinite" restart="never" nodeType="tmRoot"/>
+      </p:par>
+    </p:tnLst>
+  </p:timing>
+</p:sld>
+</file>
+
+<file path=ppt/slides/slide12.xml><?xml version="1.0" encoding="utf-8"?>
+<p:sld xmlns:a="http://schemas.openxmlformats.org/drawingml/2006/main" xmlns:r="http://schemas.openxmlformats.org/officeDocument/2006/relationships" xmlns:p="http://schemas.openxmlformats.org/presentationml/2006/main">
+  <p:cSld>
+    <p:spTree>
+      <p:nvGrpSpPr>
+        <p:cNvPr id="1" name=""/>
+        <p:cNvGrpSpPr/>
+        <p:nvPr/>
+      </p:nvGrpSpPr>
+      <p:grpSpPr>
+        <a:xfrm>
+          <a:off x="0" y="0"/>
+          <a:ext cx="0" cy="0"/>
+          <a:chOff x="0" y="0"/>
+          <a:chExt cx="0" cy="0"/>
+        </a:xfrm>
+      </p:grpSpPr>
+      <p:sp>
+        <p:nvSpPr>
+          <p:cNvPr id="2" name="Title 1"/>
+          <p:cNvSpPr>
+            <a:spLocks noGrp="1"/>
+          </p:cNvSpPr>
+          <p:nvPr>
+            <p:ph type="title"/>
+          </p:nvPr>
+        </p:nvSpPr>
+        <p:spPr/>
+        <p:txBody>
+          <a:bodyPr/>
+          <a:lstStyle/>
+          <a:p>
+            <a:r>
+              <a:rPr lang="en-GB" dirty="0" smtClean="0"/>
+              <a:t>Next week…</a:t>
+            </a:r>
+            <a:endParaRPr lang="en-GB" dirty="0"/>
+          </a:p>
+        </p:txBody>
+      </p:sp>
+      <p:sp>
+        <p:nvSpPr>
+          <p:cNvPr id="3" name="Content Placeholder 2"/>
+          <p:cNvSpPr>
+            <a:spLocks noGrp="1"/>
+          </p:cNvSpPr>
+          <p:nvPr>
+            <p:ph idx="1"/>
+          </p:nvPr>
+        </p:nvSpPr>
+        <p:spPr/>
+        <p:txBody>
+          <a:bodyPr/>
+          <a:lstStyle/>
+          <a:p>
+            <a:pPr marL="0" indent="0">
+              <a:buNone/>
+            </a:pPr>
+            <a:r>
+              <a:rPr lang="en-GB" dirty="0" smtClean="0"/>
+              <a:t>GLMs and non-</a:t>
+            </a:r>
+            <a:r>
+              <a:rPr lang="en-GB" dirty="0" err="1" smtClean="0"/>
+              <a:t>gaussian</a:t>
+            </a:r>
+            <a:r>
+              <a:rPr lang="en-GB" dirty="0" smtClean="0"/>
+              <a:t> distributions	</a:t>
+            </a:r>
+          </a:p>
+          <a:p>
+            <a:pPr lvl="1"/>
+            <a:endParaRPr lang="en-GB" dirty="0" smtClean="0"/>
+          </a:p>
+          <a:p>
+            <a:pPr marL="0" indent="0">
+              <a:buNone/>
+            </a:pPr>
+            <a:endParaRPr lang="en-GB" dirty="0"/>
+          </a:p>
+        </p:txBody>
+      </p:sp>
+      <p:pic>
+        <p:nvPicPr>
+          <p:cNvPr id="5" name="Picture 4"/>
+          <p:cNvPicPr>
+            <a:picLocks noChangeAspect="1"/>
+          </p:cNvPicPr>
+          <p:nvPr/>
+        </p:nvPicPr>
+        <p:blipFill>
+          <a:blip r:embed="rId2"/>
+          <a:stretch>
+            <a:fillRect/>
+          </a:stretch>
+        </p:blipFill>
+        <p:spPr>
+          <a:xfrm>
+            <a:off x="1870969" y="2490846"/>
+            <a:ext cx="5386860" cy="4367154"/>
+          </a:xfrm>
+          <a:prstGeom prst="rect">
+            <a:avLst/>
+          </a:prstGeom>
+        </p:spPr>
+      </p:pic>
+    </p:spTree>
+    <p:extLst>
+      <p:ext uri="{BB962C8B-B14F-4D97-AF65-F5344CB8AC3E}">
+        <p14:creationId xmlns:p14="http://schemas.microsoft.com/office/powerpoint/2010/main" val="3056152261"/>
+      </p:ext>
+    </p:extLst>
+  </p:cSld>
+  <p:clrMapOvr>
+    <a:masterClrMapping/>
+  </p:clrMapOvr>
+  <p:timing>
+    <p:tnLst>
+      <p:par>
+        <p:cTn xmlns:p14="http://schemas.microsoft.com/office/powerpoint/2010/main" id="1" dur="indefinite" restart="never" nodeType="tmRoot"/>
       </p:par>
     </p:tnLst>
   </p:timing>
@@ -5603,7 +5808,7 @@
           </a:p>
           <a:p>
             <a:r>
-              <a:rPr lang="en-GB"/>
+              <a:rPr lang="en-GB" dirty="0"/>
               <a:t>for publication</a:t>
             </a:r>
             <a:endParaRPr lang="en-US" dirty="0"/>
@@ -5613,18 +5818,21 @@
           </a:p>
           <a:p>
             <a:r>
-              <a:rPr lang="en-GB"/>
+              <a:rPr lang="en-GB" dirty="0"/>
               <a:t>for reports</a:t>
             </a:r>
+          </a:p>
+          <a:p>
             <a:endParaRPr lang="en-GB" dirty="0"/>
           </a:p>
           <a:p>
-            <a:endParaRPr lang="en-GB" dirty="0"/>
-          </a:p>
-          <a:p>
-            <a:r>
-              <a:rPr lang="en-GB"/>
-              <a:t>for getting others to quickly and easily understand what you're talking about....</a:t>
+            <a:r>
+              <a:rPr lang="en-GB" dirty="0"/>
+              <a:t>for getting others to quickly and easily understand what you're talking </a:t>
+            </a:r>
+            <a:r>
+              <a:rPr lang="en-GB" dirty="0" smtClean="0"/>
+              <a:t>about…</a:t>
             </a:r>
             <a:endParaRPr lang="en-GB" dirty="0"/>
           </a:p>
@@ -5643,6 +5851,13 @@
   <p:clrMapOvr>
     <a:masterClrMapping/>
   </p:clrMapOvr>
+  <p:timing>
+    <p:tnLst>
+      <p:par>
+        <p:cTn xmlns:p14="http://schemas.microsoft.com/office/powerpoint/2010/main" id="1" dur="indefinite" restart="never" nodeType="tmRoot"/>
+      </p:par>
+    </p:tnLst>
+  </p:timing>
 </p:sld>
 </file>
 
@@ -5795,6 +6010,13 @@
   <p:clrMapOvr>
     <a:masterClrMapping/>
   </p:clrMapOvr>
+  <p:timing>
+    <p:tnLst>
+      <p:par>
+        <p:cTn xmlns:p14="http://schemas.microsoft.com/office/powerpoint/2010/main" id="1" dur="indefinite" restart="never" nodeType="tmRoot"/>
+      </p:par>
+    </p:tnLst>
+  </p:timing>
 </p:sld>
 </file>
 
@@ -5871,6 +6093,13 @@
   <p:clrMapOvr>
     <a:masterClrMapping/>
   </p:clrMapOvr>
+  <p:timing>
+    <p:tnLst>
+      <p:par>
+        <p:cTn xmlns:p14="http://schemas.microsoft.com/office/powerpoint/2010/main" id="1" dur="indefinite" restart="never" nodeType="tmRoot"/>
+      </p:par>
+    </p:tnLst>
+  </p:timing>
 </p:sld>
 </file>
 
@@ -5949,6 +6178,13 @@
   <p:clrMapOvr>
     <a:masterClrMapping/>
   </p:clrMapOvr>
+  <p:timing>
+    <p:tnLst>
+      <p:par>
+        <p:cTn xmlns:p14="http://schemas.microsoft.com/office/powerpoint/2010/main" id="1" dur="indefinite" restart="never" nodeType="tmRoot"/>
+      </p:par>
+    </p:tnLst>
+  </p:timing>
 </p:sld>
 </file>
 
@@ -6099,6 +6335,13 @@
   <p:clrMapOvr>
     <a:masterClrMapping/>
   </p:clrMapOvr>
+  <p:timing>
+    <p:tnLst>
+      <p:par>
+        <p:cTn xmlns:p14="http://schemas.microsoft.com/office/powerpoint/2010/main" id="1" dur="indefinite" restart="never" nodeType="tmRoot"/>
+      </p:par>
+    </p:tnLst>
+  </p:timing>
 </p:sld>
 </file>
 
@@ -6219,7 +6462,7 @@
   <p:timing>
     <p:tnLst>
       <p:par>
-        <p:cTn id="1" dur="indefinite" restart="never" nodeType="tmRoot"/>
+        <p:cTn xmlns:p14="http://schemas.microsoft.com/office/powerpoint/2010/main" id="1" dur="indefinite" restart="never" nodeType="tmRoot"/>
       </p:par>
     </p:tnLst>
   </p:timing>
@@ -6346,7 +6589,7 @@
   <p:timing>
     <p:tnLst>
       <p:par>
-        <p:cTn id="1" dur="indefinite" restart="never" nodeType="tmRoot"/>
+        <p:cTn xmlns:p14="http://schemas.microsoft.com/office/powerpoint/2010/main" id="1" dur="indefinite" restart="never" nodeType="tmRoot"/>
       </p:par>
     </p:tnLst>
   </p:timing>
@@ -6452,7 +6695,7 @@
   <p:timing>
     <p:tnLst>
       <p:par>
-        <p:cTn id="1" dur="indefinite" restart="never" nodeType="tmRoot"/>
+        <p:cTn xmlns:p14="http://schemas.microsoft.com/office/powerpoint/2010/main" id="1" dur="indefinite" restart="never" nodeType="tmRoot"/>
       </p:par>
     </p:tnLst>
   </p:timing>
@@ -6797,7 +7040,7 @@
     </a:clrScheme>
     <a:fontScheme name="Office">
       <a:majorFont>
-        <a:latin typeface="Calibri Light" panose="020F0302020204030204"/>
+        <a:latin typeface="Calibri Light"/>
         <a:ea typeface=""/>
         <a:cs typeface=""/>
         <a:font script="Jpan" typeface="ＭＳ Ｐゴシック"/>
@@ -6832,7 +7075,7 @@
         <a:font script="Geor" typeface="Sylfaen"/>
       </a:majorFont>
       <a:minorFont>
-        <a:latin typeface="Calibri" panose="020F0502020204030204"/>
+        <a:latin typeface="Calibri"/>
         <a:ea typeface=""/>
         <a:cs typeface=""/>
         <a:font script="Jpan" typeface="ＭＳ Ｐゴシック"/>
@@ -7009,7 +7252,7 @@
   <a:extraClrSchemeLst/>
   <a:extLst>
     <a:ext uri="{05A4C25C-085E-4340-85A3-A5531E510DB2}">
-      <thm15:themeFamily xmlns:thm15="http://schemas.microsoft.com/office/thememl/2012/main" name="Office Theme" id="{62F939B6-93AF-4DB8-9C6B-D6C7DFDC589F}" vid="{4A3C46E8-61CC-4603-A589-7422A47A8E4A}"/>
+      <thm15:themeFamily xmlns:thm15="http://schemas.microsoft.com/office/thememl/2012/main" xmlns="" name="Office Theme" id="{62F939B6-93AF-4DB8-9C6B-D6C7DFDC589F}" vid="{4A3C46E8-61CC-4603-A589-7422A47A8E4A}"/>
     </a:ext>
   </a:extLst>
 </a:theme>
